--- a/A03 - Import and Tidy Data/A03 - Import and Tidy Data.pptx
+++ b/A03 - Import and Tidy Data/A03 - Import and Tidy Data.pptx
@@ -210,7 +210,7 @@
           <a:p>
             <a:fld id="{75E9302D-A272-4E23-90FC-89FFA96E30A2}" type="datetimeFigureOut">
               <a:rPr lang="pt-BR" smtClean="0"/>
-              <a:t>19/07/2023</a:t>
+              <a:t>20/07/2023</a:t>
             </a:fld>
             <a:endParaRPr lang="pt-BR"/>
           </a:p>
@@ -701,7 +701,7 @@
           <a:p>
             <a:fld id="{0D08EE3F-DF1A-4A86-9339-0C1E19B7B5B6}" type="datetime1">
               <a:rPr lang="en-US" smtClean="0"/>
-              <a:t>7/19/2023</a:t>
+              <a:t>7/20/2023</a:t>
             </a:fld>
             <a:endParaRPr lang="en-US" dirty="0"/>
           </a:p>
@@ -866,7 +866,7 @@
           <a:p>
             <a:fld id="{DF8DB74C-F68F-444C-9218-BC7E08C19B53}" type="datetime1">
               <a:rPr lang="en-US" smtClean="0"/>
-              <a:t>7/19/2023</a:t>
+              <a:t>7/20/2023</a:t>
             </a:fld>
             <a:endParaRPr lang="en-US" dirty="0"/>
           </a:p>
@@ -1042,7 +1042,7 @@
           <a:p>
             <a:fld id="{AFA2B5DE-9977-4C8B-856C-848FCBCBA7DA}" type="datetime1">
               <a:rPr lang="en-US" smtClean="0"/>
-              <a:t>7/19/2023</a:t>
+              <a:t>7/20/2023</a:t>
             </a:fld>
             <a:endParaRPr lang="en-US" dirty="0"/>
           </a:p>
@@ -1208,7 +1208,7 @@
           <a:p>
             <a:fld id="{F26BF739-6AF4-4436-B55E-E484298E7D1A}" type="datetime1">
               <a:rPr lang="en-US" smtClean="0"/>
-              <a:t>7/19/2023</a:t>
+              <a:t>7/20/2023</a:t>
             </a:fld>
             <a:endParaRPr lang="en-US" dirty="0"/>
           </a:p>
@@ -1471,7 +1471,7 @@
           <a:p>
             <a:fld id="{11BA2715-8CB1-4656-B116-E794F7BDE9F6}" type="datetime1">
               <a:rPr lang="en-US" smtClean="0"/>
-              <a:t>7/19/2023</a:t>
+              <a:t>7/20/2023</a:t>
             </a:fld>
             <a:endParaRPr lang="en-US" dirty="0"/>
           </a:p>
@@ -1755,7 +1755,7 @@
           <a:p>
             <a:fld id="{FE8EC026-C0DA-411F-B99E-97865A84832D}" type="datetime1">
               <a:rPr lang="en-US" smtClean="0"/>
-              <a:t>7/19/2023</a:t>
+              <a:t>7/20/2023</a:t>
             </a:fld>
             <a:endParaRPr lang="en-US" dirty="0"/>
           </a:p>
@@ -2193,7 +2193,7 @@
           <a:p>
             <a:fld id="{648CBB6E-C676-4E8D-90E8-17875FD5687C}" type="datetime1">
               <a:rPr lang="en-US" smtClean="0"/>
-              <a:t>7/19/2023</a:t>
+              <a:t>7/20/2023</a:t>
             </a:fld>
             <a:endParaRPr lang="en-US" dirty="0"/>
           </a:p>
@@ -2307,7 +2307,7 @@
           <a:p>
             <a:fld id="{87FA562F-59F2-411E-B39C-2046FC71929E}" type="datetime1">
               <a:rPr lang="en-US" smtClean="0"/>
-              <a:t>7/19/2023</a:t>
+              <a:t>7/20/2023</a:t>
             </a:fld>
             <a:endParaRPr lang="en-US" dirty="0"/>
           </a:p>
@@ -2398,7 +2398,7 @@
           <a:p>
             <a:fld id="{385BFBF5-9B0A-454D-A007-ADD9A30EEFEE}" type="datetime1">
               <a:rPr lang="en-US" smtClean="0"/>
-              <a:t>7/19/2023</a:t>
+              <a:t>7/20/2023</a:t>
             </a:fld>
             <a:endParaRPr lang="en-US" dirty="0"/>
           </a:p>
@@ -2682,7 +2682,7 @@
           <a:p>
             <a:fld id="{619142F9-94B1-4B21-BBC4-4EFECCE52F77}" type="datetime1">
               <a:rPr lang="en-US" smtClean="0"/>
-              <a:t>7/19/2023</a:t>
+              <a:t>7/20/2023</a:t>
             </a:fld>
             <a:endParaRPr lang="en-US" dirty="0"/>
           </a:p>
@@ -2951,7 +2951,7 @@
           <a:p>
             <a:fld id="{D57211AE-C917-4FB4-A623-3B2A58184187}" type="datetime1">
               <a:rPr lang="en-US" smtClean="0"/>
-              <a:t>7/19/2023</a:t>
+              <a:t>7/20/2023</a:t>
             </a:fld>
             <a:endParaRPr lang="en-US" dirty="0"/>
           </a:p>
@@ -3244,7 +3244,7 @@
           <a:p>
             <a:fld id="{7B7A9BAE-2958-4634-B038-83CB100EE31A}" type="datetime1">
               <a:rPr lang="en-US" smtClean="0"/>
-              <a:t>7/19/2023</a:t>
+              <a:t>7/20/2023</a:t>
             </a:fld>
             <a:endParaRPr lang="en-US" dirty="0"/>
           </a:p>
